--- a/Agenda_Templates/Testoper_Presentation_Template.pptx
+++ b/Agenda_Templates/Testoper_Presentation_Template.pptx
@@ -5,31 +5,32 @@
     <p:sldMasterId id="2147483680" r:id="rId1"/>
   </p:sldMasterIdLst>
   <p:notesMasterIdLst>
-    <p:notesMasterId r:id="rId5"/>
+    <p:notesMasterId r:id="rId6"/>
   </p:notesMasterIdLst>
   <p:sldIdLst>
     <p:sldId id="1378" r:id="rId2"/>
-    <p:sldId id="1391" r:id="rId3"/>
-    <p:sldId id="271" r:id="rId4"/>
+    <p:sldId id="1392" r:id="rId3"/>
+    <p:sldId id="1391" r:id="rId4"/>
+    <p:sldId id="271" r:id="rId5"/>
   </p:sldIdLst>
   <p:sldSz cx="9144000" cy="5143500" type="screen16x9"/>
   <p:notesSz cx="6858000" cy="9144000"/>
   <p:embeddedFontLst>
     <p:embeddedFont>
       <p:font typeface="Montserrat" panose="020B0604020202020204" charset="0"/>
-      <p:regular r:id="rId6"/>
-      <p:bold r:id="rId7"/>
-      <p:italic r:id="rId8"/>
-      <p:boldItalic r:id="rId9"/>
+      <p:regular r:id="rId7"/>
+      <p:bold r:id="rId8"/>
+      <p:italic r:id="rId9"/>
+      <p:boldItalic r:id="rId10"/>
     </p:embeddedFont>
     <p:embeddedFont>
       <p:font typeface="Roboto" panose="02000000000000000000" pitchFamily="2" charset="0"/>
-      <p:regular r:id="rId10"/>
-      <p:bold r:id="rId11"/>
+      <p:regular r:id="rId11"/>
+      <p:bold r:id="rId12"/>
     </p:embeddedFont>
     <p:embeddedFont>
       <p:font typeface="Roboto Light" panose="020B0604020202020204" charset="0"/>
-      <p:regular r:id="rId12"/>
+      <p:regular r:id="rId13"/>
     </p:embeddedFont>
   </p:embeddedFontLst>
   <p:defaultTextStyle>
@@ -3195,6 +3196,209 @@
         </p:nvSpPr>
         <p:spPr>
           <a:xfrm>
+            <a:off x="1641023" y="47371"/>
+            <a:ext cx="7265893" cy="572700"/>
+          </a:xfrm>
+        </p:spPr>
+        <p:txBody>
+          <a:bodyPr/>
+          <a:lstStyle/>
+          <a:p>
+            <a:r>
+              <a:rPr lang="en-US" dirty="0">
+                <a:solidFill>
+                  <a:srgbClr val="0070C0"/>
+                </a:solidFill>
+              </a:rPr>
+              <a:t>Table of Contents</a:t>
+            </a:r>
+          </a:p>
+        </p:txBody>
+      </p:sp>
+      <p:pic>
+        <p:nvPicPr>
+          <p:cNvPr id="5" name="Picture 4" descr="A close up of a sign&#10;&#10;Description automatically generated">
+            <a:extLst>
+              <a:ext uri="{FF2B5EF4-FFF2-40B4-BE49-F238E27FC236}">
+                <a16:creationId xmlns:a16="http://schemas.microsoft.com/office/drawing/2014/main" id="{A859FDC5-5BB8-4DF1-BB8C-C2CC1992A398}"/>
+              </a:ext>
+            </a:extLst>
+          </p:cNvPr>
+          <p:cNvPicPr>
+            <a:picLocks noChangeAspect="1"/>
+          </p:cNvPicPr>
+          <p:nvPr/>
+        </p:nvPicPr>
+        <p:blipFill>
+          <a:blip r:embed="rId2"/>
+          <a:stretch>
+            <a:fillRect/>
+          </a:stretch>
+        </p:blipFill>
+        <p:spPr>
+          <a:xfrm>
+            <a:off x="0" y="-12849"/>
+            <a:ext cx="1387930" cy="693140"/>
+          </a:xfrm>
+          <a:prstGeom prst="rect">
+            <a:avLst/>
+          </a:prstGeom>
+        </p:spPr>
+      </p:pic>
+      <p:cxnSp>
+        <p:nvCxnSpPr>
+          <p:cNvPr id="6" name="Straight Connector 5">
+            <a:extLst>
+              <a:ext uri="{FF2B5EF4-FFF2-40B4-BE49-F238E27FC236}">
+                <a16:creationId xmlns:a16="http://schemas.microsoft.com/office/drawing/2014/main" id="{56CBC556-7656-4D5C-95BC-CEB2D85DA8E0}"/>
+              </a:ext>
+            </a:extLst>
+          </p:cNvPr>
+          <p:cNvCxnSpPr>
+            <a:cxnSpLocks/>
+          </p:cNvCxnSpPr>
+          <p:nvPr/>
+        </p:nvCxnSpPr>
+        <p:spPr>
+          <a:xfrm flipV="1">
+            <a:off x="253093" y="457199"/>
+            <a:ext cx="0" cy="1670051"/>
+          </a:xfrm>
+          <a:prstGeom prst="line">
+            <a:avLst/>
+          </a:prstGeom>
+          <a:noFill/>
+          <a:ln w="15875" cap="flat" cmpd="sng" algn="ctr">
+            <a:gradFill flip="none" rotWithShape="1">
+              <a:gsLst>
+                <a:gs pos="0">
+                  <a:srgbClr val="212121">
+                    <a:lumMod val="5000"/>
+                    <a:lumOff val="95000"/>
+                  </a:srgbClr>
+                </a:gs>
+                <a:gs pos="74000">
+                  <a:srgbClr val="212121">
+                    <a:lumMod val="45000"/>
+                    <a:lumOff val="55000"/>
+                  </a:srgbClr>
+                </a:gs>
+                <a:gs pos="83000">
+                  <a:srgbClr val="212121">
+                    <a:lumMod val="45000"/>
+                    <a:lumOff val="55000"/>
+                  </a:srgbClr>
+                </a:gs>
+                <a:gs pos="100000">
+                  <a:srgbClr val="212121">
+                    <a:lumMod val="30000"/>
+                    <a:lumOff val="70000"/>
+                  </a:srgbClr>
+                </a:gs>
+              </a:gsLst>
+              <a:lin ang="5400000" scaled="1"/>
+              <a:tileRect/>
+            </a:gradFill>
+            <a:prstDash val="solid"/>
+          </a:ln>
+          <a:effectLst/>
+        </p:spPr>
+      </p:cxnSp>
+      <p:sp>
+        <p:nvSpPr>
+          <p:cNvPr id="7" name="TextBox 6">
+            <a:extLst>
+              <a:ext uri="{FF2B5EF4-FFF2-40B4-BE49-F238E27FC236}">
+                <a16:creationId xmlns:a16="http://schemas.microsoft.com/office/drawing/2014/main" id="{64AC1DD5-158B-45EC-87CC-2B2B77FD4169}"/>
+              </a:ext>
+            </a:extLst>
+          </p:cNvPr>
+          <p:cNvSpPr txBox="1"/>
+          <p:nvPr/>
+        </p:nvSpPr>
+        <p:spPr>
+          <a:xfrm>
+            <a:off x="895653" y="1309157"/>
+            <a:ext cx="4353679" cy="707886"/>
+          </a:xfrm>
+          <a:prstGeom prst="rect">
+            <a:avLst/>
+          </a:prstGeom>
+          <a:noFill/>
+        </p:spPr>
+        <p:txBody>
+          <a:bodyPr wrap="square" rtlCol="0">
+            <a:spAutoFit/>
+          </a:bodyPr>
+          <a:lstStyle/>
+          <a:p>
+            <a:pPr marL="342900" indent="-342900">
+              <a:buAutoNum type="arabicPeriod"/>
+            </a:pPr>
+            <a:r>
+              <a:rPr lang="en-US" sz="2000" dirty="0"/>
+              <a:t>XXX</a:t>
+            </a:r>
+          </a:p>
+          <a:p>
+            <a:pPr marL="342900" indent="-342900">
+              <a:buAutoNum type="arabicPeriod"/>
+            </a:pPr>
+            <a:r>
+              <a:rPr lang="en-US" sz="2000" dirty="0"/>
+              <a:t>XXX</a:t>
+            </a:r>
+          </a:p>
+        </p:txBody>
+      </p:sp>
+    </p:spTree>
+    <p:extLst>
+      <p:ext uri="{BB962C8B-B14F-4D97-AF65-F5344CB8AC3E}">
+        <p14:creationId xmlns:p14="http://schemas.microsoft.com/office/powerpoint/2010/main" val="4101334131"/>
+      </p:ext>
+    </p:extLst>
+  </p:cSld>
+  <p:clrMapOvr>
+    <a:masterClrMapping/>
+  </p:clrMapOvr>
+</p:sld>
+</file>
+
+<file path=ppt/slides/slide3.xml><?xml version="1.0" encoding="utf-8"?>
+<p:sld xmlns:a="http://schemas.openxmlformats.org/drawingml/2006/main" xmlns:r="http://schemas.openxmlformats.org/officeDocument/2006/relationships" xmlns:p="http://schemas.openxmlformats.org/presentationml/2006/main">
+  <p:cSld>
+    <p:spTree>
+      <p:nvGrpSpPr>
+        <p:cNvPr id="1" name=""/>
+        <p:cNvGrpSpPr/>
+        <p:nvPr/>
+      </p:nvGrpSpPr>
+      <p:grpSpPr>
+        <a:xfrm>
+          <a:off x="0" y="0"/>
+          <a:ext cx="0" cy="0"/>
+          <a:chOff x="0" y="0"/>
+          <a:chExt cx="0" cy="0"/>
+        </a:xfrm>
+      </p:grpSpPr>
+      <p:sp>
+        <p:nvSpPr>
+          <p:cNvPr id="4" name="Title 3">
+            <a:extLst>
+              <a:ext uri="{FF2B5EF4-FFF2-40B4-BE49-F238E27FC236}">
+                <a16:creationId xmlns:a16="http://schemas.microsoft.com/office/drawing/2014/main" id="{622AEF51-DDBC-4AC9-B706-48A518A33E26}"/>
+              </a:ext>
+            </a:extLst>
+          </p:cNvPr>
+          <p:cNvSpPr>
+            <a:spLocks noGrp="1"/>
+          </p:cNvSpPr>
+          <p:nvPr>
+            <p:ph type="title"/>
+          </p:nvPr>
+        </p:nvSpPr>
+        <p:spPr>
+          <a:xfrm>
             <a:off x="1623665" y="103119"/>
             <a:ext cx="7265893" cy="572700"/>
           </a:xfrm>
@@ -3309,7 +3513,7 @@
 </p:sld>
 </file>
 
-<file path=ppt/slides/slide3.xml><?xml version="1.0" encoding="utf-8"?>
+<file path=ppt/slides/slide4.xml><?xml version="1.0" encoding="utf-8"?>
 <p:sld xmlns:a="http://schemas.openxmlformats.org/drawingml/2006/main" xmlns:r="http://schemas.openxmlformats.org/officeDocument/2006/relationships" xmlns:p="http://schemas.openxmlformats.org/presentationml/2006/main">
   <p:cSld>
     <p:spTree>
